--- a/Figures/Figure_S2/Figure_S2.pptx
+++ b/Figures/Figure_S2/Figure_S2.pptx
@@ -197,7 +197,7 @@
           <a:p>
             <a:fld id="{ABD72DE5-B6EE-E147-A976-7400C289695F}" type="datetimeFigureOut">
               <a:rPr lang="en-US" smtClean="0"/>
-              <a:t>5/21/23</a:t>
+              <a:t>5/24/23</a:t>
             </a:fld>
             <a:endParaRPr lang="en-US"/>
           </a:p>
@@ -684,7 +684,7 @@
           <a:p>
             <a:fld id="{5829EFD3-DAAF-1A4D-98F0-A61E9156FD54}" type="datetimeFigureOut">
               <a:rPr lang="en-US" smtClean="0"/>
-              <a:t>5/21/23</a:t>
+              <a:t>5/24/23</a:t>
             </a:fld>
             <a:endParaRPr lang="en-US"/>
           </a:p>
@@ -854,7 +854,7 @@
           <a:p>
             <a:fld id="{5829EFD3-DAAF-1A4D-98F0-A61E9156FD54}" type="datetimeFigureOut">
               <a:rPr lang="en-US" smtClean="0"/>
-              <a:t>5/21/23</a:t>
+              <a:t>5/24/23</a:t>
             </a:fld>
             <a:endParaRPr lang="en-US"/>
           </a:p>
@@ -1034,7 +1034,7 @@
           <a:p>
             <a:fld id="{5829EFD3-DAAF-1A4D-98F0-A61E9156FD54}" type="datetimeFigureOut">
               <a:rPr lang="en-US" smtClean="0"/>
-              <a:t>5/21/23</a:t>
+              <a:t>5/24/23</a:t>
             </a:fld>
             <a:endParaRPr lang="en-US"/>
           </a:p>
@@ -1204,7 +1204,7 @@
           <a:p>
             <a:fld id="{5829EFD3-DAAF-1A4D-98F0-A61E9156FD54}" type="datetimeFigureOut">
               <a:rPr lang="en-US" smtClean="0"/>
-              <a:t>5/21/23</a:t>
+              <a:t>5/24/23</a:t>
             </a:fld>
             <a:endParaRPr lang="en-US"/>
           </a:p>
@@ -1448,7 +1448,7 @@
           <a:p>
             <a:fld id="{5829EFD3-DAAF-1A4D-98F0-A61E9156FD54}" type="datetimeFigureOut">
               <a:rPr lang="en-US" smtClean="0"/>
-              <a:t>5/21/23</a:t>
+              <a:t>5/24/23</a:t>
             </a:fld>
             <a:endParaRPr lang="en-US"/>
           </a:p>
@@ -1680,7 +1680,7 @@
           <a:p>
             <a:fld id="{5829EFD3-DAAF-1A4D-98F0-A61E9156FD54}" type="datetimeFigureOut">
               <a:rPr lang="en-US" smtClean="0"/>
-              <a:t>5/21/23</a:t>
+              <a:t>5/24/23</a:t>
             </a:fld>
             <a:endParaRPr lang="en-US"/>
           </a:p>
@@ -2047,7 +2047,7 @@
           <a:p>
             <a:fld id="{5829EFD3-DAAF-1A4D-98F0-A61E9156FD54}" type="datetimeFigureOut">
               <a:rPr lang="en-US" smtClean="0"/>
-              <a:t>5/21/23</a:t>
+              <a:t>5/24/23</a:t>
             </a:fld>
             <a:endParaRPr lang="en-US"/>
           </a:p>
@@ -2165,7 +2165,7 @@
           <a:p>
             <a:fld id="{5829EFD3-DAAF-1A4D-98F0-A61E9156FD54}" type="datetimeFigureOut">
               <a:rPr lang="en-US" smtClean="0"/>
-              <a:t>5/21/23</a:t>
+              <a:t>5/24/23</a:t>
             </a:fld>
             <a:endParaRPr lang="en-US"/>
           </a:p>
@@ -2260,7 +2260,7 @@
           <a:p>
             <a:fld id="{5829EFD3-DAAF-1A4D-98F0-A61E9156FD54}" type="datetimeFigureOut">
               <a:rPr lang="en-US" smtClean="0"/>
-              <a:t>5/21/23</a:t>
+              <a:t>5/24/23</a:t>
             </a:fld>
             <a:endParaRPr lang="en-US"/>
           </a:p>
@@ -2537,7 +2537,7 @@
           <a:p>
             <a:fld id="{5829EFD3-DAAF-1A4D-98F0-A61E9156FD54}" type="datetimeFigureOut">
               <a:rPr lang="en-US" smtClean="0"/>
-              <a:t>5/21/23</a:t>
+              <a:t>5/24/23</a:t>
             </a:fld>
             <a:endParaRPr lang="en-US"/>
           </a:p>
@@ -2794,7 +2794,7 @@
           <a:p>
             <a:fld id="{5829EFD3-DAAF-1A4D-98F0-A61E9156FD54}" type="datetimeFigureOut">
               <a:rPr lang="en-US" smtClean="0"/>
-              <a:t>5/21/23</a:t>
+              <a:t>5/24/23</a:t>
             </a:fld>
             <a:endParaRPr lang="en-US"/>
           </a:p>
@@ -3007,7 +3007,7 @@
           <a:p>
             <a:fld id="{5829EFD3-DAAF-1A4D-98F0-A61E9156FD54}" type="datetimeFigureOut">
               <a:rPr lang="en-US" smtClean="0"/>
-              <a:t>5/21/23</a:t>
+              <a:t>5/24/23</a:t>
             </a:fld>
             <a:endParaRPr lang="en-US"/>
           </a:p>
@@ -3414,10 +3414,10 @@
       </p:grpSpPr>
       <p:pic>
         <p:nvPicPr>
-          <p:cNvPr id="8" name="Picture 7" descr="A picture containing text, line, plot, screenshot&#10;&#10;Description automatically generated">
+          <p:cNvPr id="4" name="Picture 3" descr="A picture containing text, plot, line, diagram&#10;&#10;Description automatically generated">
             <a:extLst>
               <a:ext uri="{FF2B5EF4-FFF2-40B4-BE49-F238E27FC236}">
-                <a16:creationId xmlns:a16="http://schemas.microsoft.com/office/drawing/2014/main" id="{877B6D02-C00E-E343-2C01-47F673837A94}"/>
+                <a16:creationId xmlns:a16="http://schemas.microsoft.com/office/drawing/2014/main" id="{26523FA8-EF66-2A4F-C502-3C60EA529583}"/>
               </a:ext>
             </a:extLst>
           </p:cNvPr>
@@ -3434,7 +3434,7 @@
         </p:blipFill>
         <p:spPr>
           <a:xfrm>
-            <a:off x="293440" y="259649"/>
+            <a:off x="187933" y="8645315"/>
             <a:ext cx="18696979" cy="8309768"/>
           </a:xfrm>
           <a:prstGeom prst="rect">
@@ -3444,10 +3444,10 @@
       </p:pic>
       <p:pic>
         <p:nvPicPr>
-          <p:cNvPr id="10" name="Picture 9" descr="A picture containing text, plot, line, diagram&#10;&#10;Description automatically generated">
+          <p:cNvPr id="6" name="Picture 5" descr="A picture containing text, line, plot, screenshot&#10;&#10;Description automatically generated">
             <a:extLst>
               <a:ext uri="{FF2B5EF4-FFF2-40B4-BE49-F238E27FC236}">
-                <a16:creationId xmlns:a16="http://schemas.microsoft.com/office/drawing/2014/main" id="{C1C326B1-1EE7-F9C7-4A28-7F89A7C8A3B3}"/>
+                <a16:creationId xmlns:a16="http://schemas.microsoft.com/office/drawing/2014/main" id="{CEF506A8-4927-1725-5262-DDCD151E5F41}"/>
               </a:ext>
             </a:extLst>
           </p:cNvPr>
@@ -3464,7 +3464,7 @@
         </p:blipFill>
         <p:spPr>
           <a:xfrm>
-            <a:off x="293441" y="8750822"/>
+            <a:off x="187933" y="244845"/>
             <a:ext cx="18696979" cy="8309768"/>
           </a:xfrm>
           <a:prstGeom prst="rect">
